--- a/나한테 왜 이래 최준영 진석진 임장빈.pptx
+++ b/나한테 왜 이래 최준영 진석진 임장빈.pptx
@@ -2,7 +2,7 @@
 <file path=ppt/presentation.xml><?xml version="1.0" encoding="utf-8"?>
 <p:presentation xmlns:r="http://schemas.openxmlformats.org/officeDocument/2006/relationships" xmlns:c="http://schemas.openxmlformats.org/drawingml/2006/chart" xmlns:a="http://schemas.openxmlformats.org/drawingml/2006/main" xmlns:dgm="http://schemas.openxmlformats.org/drawingml/2006/diagram" xmlns:dsp="http://schemas.microsoft.com/office/drawing/2008/diagram" xmlns:p="http://schemas.openxmlformats.org/presentationml/2006/main" embedTrueTypeFonts="1" saveSubsetFonts="1">
   <p:sldMasterIdLst>
-    <p:sldMasterId id="2147483667" r:id="rId1"/>
+    <p:sldMasterId id="2147483661" r:id="rId1"/>
   </p:sldMasterIdLst>
   <p:sldIdLst>
     <p:sldId id="256" r:id="rId2"/>

--- a/나한테 왜 이래 최준영 진석진 임장빈.pptx
+++ b/나한테 왜 이래 최준영 진석진 임장빈.pptx
@@ -30,17 +30,17 @@
   <p:notesSz cx="6858000" cy="9144000"/>
   <p:embeddedFontLst>
     <p:embeddedFont>
+      <p:font typeface="맑은 고딕" panose="020B0503020000020004" pitchFamily="50" charset="-127"/>
+      <p:regular r:id="rId20"/>
+      <p:bold r:id="rId21"/>
+    </p:embeddedFont>
+    <p:embeddedFont>
       <p:font typeface="HY강B" panose="02030600000101010101" pitchFamily="18" charset="-127"/>
-      <p:regular r:id="rId20"/>
+      <p:regular r:id="rId22"/>
     </p:embeddedFont>
     <p:embeddedFont>
       <p:font typeface="HY강M" panose="02030600000101010101" pitchFamily="18" charset="-127"/>
-      <p:regular r:id="rId21"/>
-    </p:embeddedFont>
-    <p:embeddedFont>
-      <p:font typeface="맑은 고딕" panose="020B0503020000020004" pitchFamily="50" charset="-127"/>
-      <p:regular r:id="rId22"/>
-      <p:bold r:id="rId23"/>
+      <p:regular r:id="rId23"/>
     </p:embeddedFont>
   </p:embeddedFontLst>
   <p:defaultTextStyle>
@@ -140,7 +140,7 @@
   </p:defaultTextStyle>
   <p:extLst>
     <p:ext uri="{EFAFB233-063F-42B5-8137-9DF3F51BA10A}">
-      <p15:sldGuideLst xmlns:p15="http://schemas.microsoft.com/office/powerpoint/2012/main" xmlns="">
+      <p15:sldGuideLst xmlns="" xmlns:p15="http://schemas.microsoft.com/office/powerpoint/2012/main">
         <p15:guide id="1" orient="horz" pos="2159">
           <p15:clr>
             <a:srgbClr val="A4A3A4"/>
@@ -849,6 +849,91 @@
     <p:extLst>
       <p:ext uri="{BB962C8B-B14F-4D97-AF65-F5344CB8AC3E}">
         <p14:creationId xmlns:p14="http://schemas.microsoft.com/office/powerpoint/2010/main" val="4067485655"/>
+      </p:ext>
+    </p:extLst>
+  </p:cSld>
+  <p:clrMapOvr>
+    <a:masterClrMapping/>
+  </p:clrMapOvr>
+</p:notes>
+</file>
+
+<file path=ppt/notesSlides/notesSlide5.xml><?xml version="1.0" encoding="utf-8"?>
+<p:notes xmlns:a="http://schemas.openxmlformats.org/drawingml/2006/main" xmlns:r="http://schemas.openxmlformats.org/officeDocument/2006/relationships" xmlns:p="http://schemas.openxmlformats.org/presentationml/2006/main">
+  <p:cSld>
+    <p:spTree>
+      <p:nvGrpSpPr>
+        <p:cNvPr id="1" name=""/>
+        <p:cNvGrpSpPr/>
+        <p:nvPr/>
+      </p:nvGrpSpPr>
+      <p:grpSpPr>
+        <a:xfrm>
+          <a:off x="0" y="0"/>
+          <a:ext cx="0" cy="0"/>
+          <a:chOff x="0" y="0"/>
+          <a:chExt cx="0" cy="0"/>
+        </a:xfrm>
+      </p:grpSpPr>
+      <p:sp>
+        <p:nvSpPr>
+          <p:cNvPr id="2" name="슬라이드 이미지 개체 틀 1"/>
+          <p:cNvSpPr>
+            <a:spLocks noGrp="1" noRot="1" noChangeAspect="1"/>
+          </p:cNvSpPr>
+          <p:nvPr>
+            <p:ph type="sldImg"/>
+          </p:nvPr>
+        </p:nvSpPr>
+        <p:spPr/>
+      </p:sp>
+      <p:sp>
+        <p:nvSpPr>
+          <p:cNvPr id="3" name="슬라이드 노트 개체 틀 2"/>
+          <p:cNvSpPr>
+            <a:spLocks noGrp="1"/>
+          </p:cNvSpPr>
+          <p:nvPr>
+            <p:ph type="body" idx="1"/>
+          </p:nvPr>
+        </p:nvSpPr>
+        <p:spPr/>
+        <p:txBody>
+          <a:bodyPr/>
+          <a:lstStyle/>
+          <a:p>
+            <a:endParaRPr lang="ko-KR" altLang="en-US" dirty="0"/>
+          </a:p>
+        </p:txBody>
+      </p:sp>
+      <p:sp>
+        <p:nvSpPr>
+          <p:cNvPr id="4" name="슬라이드 번호 개체 틀 3"/>
+          <p:cNvSpPr>
+            <a:spLocks noGrp="1"/>
+          </p:cNvSpPr>
+          <p:nvPr>
+            <p:ph type="sldNum" sz="quarter" idx="10"/>
+          </p:nvPr>
+        </p:nvSpPr>
+        <p:spPr/>
+        <p:txBody>
+          <a:bodyPr/>
+          <a:lstStyle/>
+          <a:p>
+            <a:fld id="{8B719A01-B2FD-4DD0-8CA8-547EB37FEF96}" type="slidenum">
+              <a:rPr lang="ko-KR" altLang="en-US" smtClean="0"/>
+              <a:pPr/>
+              <a:t>11</a:t>
+            </a:fld>
+            <a:endParaRPr lang="ko-KR" altLang="en-US" dirty="0"/>
+          </a:p>
+        </p:txBody>
+      </p:sp>
+    </p:spTree>
+    <p:extLst>
+      <p:ext uri="{BB962C8B-B14F-4D97-AF65-F5344CB8AC3E}">
+        <p14:creationId xmlns:p14="http://schemas.microsoft.com/office/powerpoint/2010/main" val="1388855653"/>
       </p:ext>
     </p:extLst>
   </p:cSld>
@@ -4490,7 +4575,7 @@
         <p:fade/>
       </p:transition>
     </mc:Choice>
-    <mc:Fallback xmlns:dsp="http://schemas.microsoft.com/office/drawing/2008/diagram" xmlns:dgm="http://schemas.openxmlformats.org/drawingml/2006/diagram" xmlns:c="http://schemas.openxmlformats.org/drawingml/2006/chart" xmlns="">
+    <mc:Fallback xmlns="" xmlns:c="http://schemas.openxmlformats.org/drawingml/2006/chart" xmlns:dgm="http://schemas.openxmlformats.org/drawingml/2006/diagram" xmlns:dsp="http://schemas.microsoft.com/office/drawing/2008/diagram">
       <p:transition xmlns:mc="http://schemas.openxmlformats.org/markup-compatibility/2006" xmlns:hp="http://schemas.haansoft.com/office/presentation/8.0" mc:Ignorable="hp" hp:hslDur="700">
         <p:fade/>
       </p:transition>
@@ -5227,7 +5312,7 @@
           <p:cNvPr id="19" name="TextBox 18">
             <a:extLst>
               <a:ext uri="{FF2B5EF4-FFF2-40B4-BE49-F238E27FC236}">
-                <a16:creationId xmlns:a16="http://schemas.microsoft.com/office/drawing/2014/main" xmlns="" id="{9873AD68-D120-4F81-A55D-5CFB22B2D211}"/>
+                <a16:creationId xmlns="" xmlns:a16="http://schemas.microsoft.com/office/drawing/2014/main" id="{9873AD68-D120-4F81-A55D-5CFB22B2D211}"/>
               </a:ext>
             </a:extLst>
           </p:cNvPr>
@@ -5833,7 +5918,7 @@
         <p:fade/>
       </p:transition>
     </mc:Choice>
-    <mc:Fallback xmlns:dsp="http://schemas.microsoft.com/office/drawing/2008/diagram" xmlns:dgm="http://schemas.openxmlformats.org/drawingml/2006/diagram" xmlns:c="http://schemas.openxmlformats.org/drawingml/2006/chart" xmlns="">
+    <mc:Fallback xmlns="" xmlns:c="http://schemas.openxmlformats.org/drawingml/2006/chart" xmlns:dgm="http://schemas.openxmlformats.org/drawingml/2006/diagram" xmlns:dsp="http://schemas.microsoft.com/office/drawing/2008/diagram">
       <p:transition xmlns:mc="http://schemas.openxmlformats.org/markup-compatibility/2006" xmlns:hp="http://schemas.haansoft.com/office/presentation/8.0" mc:Ignorable="hp" hp:hslDur="700">
         <p:fade/>
       </p:transition>
@@ -6558,147 +6643,6 @@
           </a:p>
         </p:txBody>
       </p:sp>
-      <p:grpSp>
-        <p:nvGrpSpPr>
-          <p:cNvPr id="2" name="그룹 1">
-            <a:extLst>
-              <a:ext uri="{FF2B5EF4-FFF2-40B4-BE49-F238E27FC236}">
-                <a16:creationId xmlns:a16="http://schemas.microsoft.com/office/drawing/2014/main" xmlns="" id="{4B32C611-928D-454C-A69D-6C50229F02A1}"/>
-              </a:ext>
-            </a:extLst>
-          </p:cNvPr>
-          <p:cNvGrpSpPr/>
-          <p:nvPr/>
-        </p:nvGrpSpPr>
-        <p:grpSpPr>
-          <a:xfrm>
-            <a:off x="1691680" y="1679322"/>
-            <a:ext cx="6591367" cy="4084101"/>
-            <a:chOff x="1691680" y="1285393"/>
-            <a:chExt cx="6591367" cy="4084101"/>
-          </a:xfrm>
-        </p:grpSpPr>
-        <p:pic>
-          <p:nvPicPr>
-            <p:cNvPr id="3074" name="Picture 2"/>
-            <p:cNvPicPr>
-              <a:picLocks noChangeAspect="1" noChangeArrowheads="1"/>
-            </p:cNvPicPr>
-            <p:nvPr/>
-          </p:nvPicPr>
-          <p:blipFill rotWithShape="1">
-            <a:blip r:embed="rId2"/>
-            <a:srcRect/>
-            <a:stretch>
-              <a:fillRect/>
-            </a:stretch>
-          </p:blipFill>
-          <p:spPr>
-            <a:xfrm>
-              <a:off x="1691680" y="1285393"/>
-              <a:ext cx="1944803" cy="1541091"/>
-            </a:xfrm>
-            <a:prstGeom prst="rect">
-              <a:avLst/>
-            </a:prstGeom>
-            <a:noFill/>
-            <a:ln>
-              <a:noFill/>
-            </a:ln>
-            <a:effectLst/>
-          </p:spPr>
-        </p:pic>
-        <p:pic>
-          <p:nvPicPr>
-            <p:cNvPr id="3075" name="Picture 3"/>
-            <p:cNvPicPr>
-              <a:picLocks noChangeAspect="1" noChangeArrowheads="1"/>
-            </p:cNvPicPr>
-            <p:nvPr/>
-          </p:nvPicPr>
-          <p:blipFill rotWithShape="1">
-            <a:blip r:embed="rId3"/>
-            <a:srcRect/>
-            <a:stretch>
-              <a:fillRect/>
-            </a:stretch>
-          </p:blipFill>
-          <p:spPr>
-            <a:xfrm>
-              <a:off x="4806554" y="1323357"/>
-              <a:ext cx="2959138" cy="1240929"/>
-            </a:xfrm>
-            <a:prstGeom prst="rect">
-              <a:avLst/>
-            </a:prstGeom>
-            <a:noFill/>
-            <a:ln>
-              <a:noFill/>
-            </a:ln>
-            <a:effectLst/>
-          </p:spPr>
-        </p:pic>
-        <p:pic>
-          <p:nvPicPr>
-            <p:cNvPr id="3076" name="Picture 4"/>
-            <p:cNvPicPr>
-              <a:picLocks noChangeAspect="1" noChangeArrowheads="1"/>
-            </p:cNvPicPr>
-            <p:nvPr/>
-          </p:nvPicPr>
-          <p:blipFill rotWithShape="1">
-            <a:blip r:embed="rId4"/>
-            <a:srcRect/>
-            <a:stretch>
-              <a:fillRect/>
-            </a:stretch>
-          </p:blipFill>
-          <p:spPr>
-            <a:xfrm>
-              <a:off x="1878778" y="3502104"/>
-              <a:ext cx="1787258" cy="1673463"/>
-            </a:xfrm>
-            <a:prstGeom prst="rect">
-              <a:avLst/>
-            </a:prstGeom>
-            <a:noFill/>
-            <a:ln>
-              <a:noFill/>
-            </a:ln>
-            <a:effectLst/>
-          </p:spPr>
-        </p:pic>
-        <p:pic>
-          <p:nvPicPr>
-            <p:cNvPr id="3077" name="Picture 5"/>
-            <p:cNvPicPr>
-              <a:picLocks noChangeAspect="1" noChangeArrowheads="1"/>
-            </p:cNvPicPr>
-            <p:nvPr/>
-          </p:nvPicPr>
-          <p:blipFill rotWithShape="1">
-            <a:blip r:embed="rId5"/>
-            <a:srcRect/>
-            <a:stretch>
-              <a:fillRect/>
-            </a:stretch>
-          </p:blipFill>
-          <p:spPr>
-            <a:xfrm>
-              <a:off x="4499992" y="3397819"/>
-              <a:ext cx="3783055" cy="1971675"/>
-            </a:xfrm>
-            <a:prstGeom prst="rect">
-              <a:avLst/>
-            </a:prstGeom>
-            <a:noFill/>
-            <a:ln>
-              <a:noFill/>
-            </a:ln>
-            <a:effectLst/>
-          </p:spPr>
-        </p:pic>
-      </p:grpSp>
       <p:sp>
         <p:nvSpPr>
           <p:cNvPr id="23" name="TextBox 22"/>
@@ -6769,6 +6713,251 @@
           </a:p>
         </p:txBody>
       </p:sp>
+      <p:grpSp>
+        <p:nvGrpSpPr>
+          <p:cNvPr id="12" name="그룹 11"/>
+          <p:cNvGrpSpPr/>
+          <p:nvPr/>
+        </p:nvGrpSpPr>
+        <p:grpSpPr>
+          <a:xfrm>
+            <a:off x="1018126" y="1393386"/>
+            <a:ext cx="7841078" cy="4725597"/>
+            <a:chOff x="1418791" y="1425489"/>
+            <a:chExt cx="7841078" cy="4725597"/>
+          </a:xfrm>
+        </p:grpSpPr>
+        <p:grpSp>
+          <p:nvGrpSpPr>
+            <p:cNvPr id="2" name="그룹 1">
+              <a:extLst>
+                <a:ext uri="{FF2B5EF4-FFF2-40B4-BE49-F238E27FC236}">
+                  <a16:creationId xmlns="" xmlns:a16="http://schemas.microsoft.com/office/drawing/2014/main" id="{4B32C611-928D-454C-A69D-6C50229F02A1}"/>
+                </a:ext>
+              </a:extLst>
+            </p:cNvPr>
+            <p:cNvGrpSpPr/>
+            <p:nvPr/>
+          </p:nvGrpSpPr>
+          <p:grpSpPr>
+            <a:xfrm>
+              <a:off x="1907704" y="4179411"/>
+              <a:ext cx="7023415" cy="1971675"/>
+              <a:chOff x="1878778" y="3397819"/>
+              <a:chExt cx="7023415" cy="1971675"/>
+            </a:xfrm>
+          </p:grpSpPr>
+          <p:pic>
+            <p:nvPicPr>
+              <p:cNvPr id="3076" name="Picture 4"/>
+              <p:cNvPicPr>
+                <a:picLocks noChangeAspect="1" noChangeArrowheads="1"/>
+              </p:cNvPicPr>
+              <p:nvPr/>
+            </p:nvPicPr>
+            <p:blipFill rotWithShape="1">
+              <a:blip r:embed="rId3"/>
+              <a:srcRect/>
+              <a:stretch>
+                <a:fillRect/>
+              </a:stretch>
+            </p:blipFill>
+            <p:spPr>
+              <a:xfrm>
+                <a:off x="1878778" y="3502104"/>
+                <a:ext cx="1787258" cy="1673463"/>
+              </a:xfrm>
+              <a:prstGeom prst="rect">
+                <a:avLst/>
+              </a:prstGeom>
+              <a:noFill/>
+              <a:ln>
+                <a:noFill/>
+              </a:ln>
+              <a:effectLst/>
+            </p:spPr>
+          </p:pic>
+          <p:pic>
+            <p:nvPicPr>
+              <p:cNvPr id="3077" name="Picture 5"/>
+              <p:cNvPicPr>
+                <a:picLocks noChangeAspect="1" noChangeArrowheads="1"/>
+              </p:cNvPicPr>
+              <p:nvPr/>
+            </p:nvPicPr>
+            <p:blipFill rotWithShape="1">
+              <a:blip r:embed="rId4"/>
+              <a:srcRect/>
+              <a:stretch>
+                <a:fillRect/>
+              </a:stretch>
+            </p:blipFill>
+            <p:spPr>
+              <a:xfrm>
+                <a:off x="5119138" y="3397819"/>
+                <a:ext cx="3783055" cy="1971675"/>
+              </a:xfrm>
+              <a:prstGeom prst="rect">
+                <a:avLst/>
+              </a:prstGeom>
+              <a:noFill/>
+              <a:ln>
+                <a:noFill/>
+              </a:ln>
+              <a:effectLst/>
+            </p:spPr>
+          </p:pic>
+        </p:grpSp>
+        <p:pic>
+          <p:nvPicPr>
+            <p:cNvPr id="2050" name="Picture 2" descr="C:\Users\carpk\Downloads\pngegg (18).png"/>
+            <p:cNvPicPr>
+              <a:picLocks noChangeAspect="1" noChangeArrowheads="1"/>
+            </p:cNvPicPr>
+            <p:nvPr/>
+          </p:nvPicPr>
+          <p:blipFill>
+            <a:blip r:embed="rId5" cstate="print">
+              <a:extLst>
+                <a:ext uri="{28A0092B-C50C-407E-A947-70E740481C1C}">
+                  <a14:useLocalDpi xmlns:a14="http://schemas.microsoft.com/office/drawing/2010/main" val="0"/>
+                </a:ext>
+              </a:extLst>
+            </a:blip>
+            <a:srcRect/>
+            <a:stretch>
+              <a:fillRect/>
+            </a:stretch>
+          </p:blipFill>
+          <p:spPr bwMode="auto">
+            <a:xfrm>
+              <a:off x="1418791" y="2037629"/>
+              <a:ext cx="2765084" cy="1555360"/>
+            </a:xfrm>
+            <a:prstGeom prst="rect">
+              <a:avLst/>
+            </a:prstGeom>
+            <a:noFill/>
+            <a:extLst>
+              <a:ext uri="{909E8E84-426E-40DD-AFC4-6F175D3DCCD1}">
+                <a14:hiddenFill xmlns:a14="http://schemas.microsoft.com/office/drawing/2010/main">
+                  <a:solidFill>
+                    <a:srgbClr val="FFFFFF"/>
+                  </a:solidFill>
+                </a14:hiddenFill>
+              </a:ext>
+            </a:extLst>
+          </p:spPr>
+        </p:pic>
+        <p:pic>
+          <p:nvPicPr>
+            <p:cNvPr id="2051" name="Picture 3" descr="C:\Users\carpk\Downloads\pngegg (19).png"/>
+            <p:cNvPicPr>
+              <a:picLocks noChangeAspect="1" noChangeArrowheads="1"/>
+            </p:cNvPicPr>
+            <p:nvPr/>
+          </p:nvPicPr>
+          <p:blipFill>
+            <a:blip r:embed="rId6" cstate="print">
+              <a:extLst>
+                <a:ext uri="{28A0092B-C50C-407E-A947-70E740481C1C}">
+                  <a14:useLocalDpi xmlns:a14="http://schemas.microsoft.com/office/drawing/2010/main" val="0"/>
+                </a:ext>
+              </a:extLst>
+            </a:blip>
+            <a:srcRect/>
+            <a:stretch>
+              <a:fillRect/>
+            </a:stretch>
+          </p:blipFill>
+          <p:spPr bwMode="auto">
+            <a:xfrm>
+              <a:off x="3820627" y="1425489"/>
+              <a:ext cx="2890278" cy="2890278"/>
+            </a:xfrm>
+            <a:prstGeom prst="rect">
+              <a:avLst/>
+            </a:prstGeom>
+            <a:noFill/>
+            <a:extLst>
+              <a:ext uri="{909E8E84-426E-40DD-AFC4-6F175D3DCCD1}">
+                <a14:hiddenFill xmlns:a14="http://schemas.microsoft.com/office/drawing/2010/main">
+                  <a:solidFill>
+                    <a:srgbClr val="FFFFFF"/>
+                  </a:solidFill>
+                </a14:hiddenFill>
+              </a:ext>
+            </a:extLst>
+          </p:spPr>
+        </p:pic>
+        <p:sp>
+          <p:nvSpPr>
+            <p:cNvPr id="6" name="TextBox 5"/>
+            <p:cNvSpPr txBox="1"/>
+            <p:nvPr/>
+          </p:nvSpPr>
+          <p:spPr>
+            <a:xfrm>
+              <a:off x="3635896" y="1898996"/>
+              <a:ext cx="184731" cy="369332"/>
+            </a:xfrm>
+            <a:prstGeom prst="rect">
+              <a:avLst/>
+            </a:prstGeom>
+            <a:noFill/>
+          </p:spPr>
+          <p:txBody>
+            <a:bodyPr wrap="none" rtlCol="0">
+              <a:spAutoFit/>
+            </a:bodyPr>
+            <a:lstStyle/>
+            <a:p>
+              <a:endParaRPr lang="ko-KR" altLang="en-US" dirty="0"/>
+            </a:p>
+          </p:txBody>
+        </p:sp>
+        <p:pic>
+          <p:nvPicPr>
+            <p:cNvPr id="2052" name="Picture 4" descr="C:\Users\carpk\Downloads\pngegg (20).png"/>
+            <p:cNvPicPr>
+              <a:picLocks noChangeAspect="1" noChangeArrowheads="1"/>
+            </p:cNvPicPr>
+            <p:nvPr/>
+          </p:nvPicPr>
+          <p:blipFill>
+            <a:blip r:embed="rId7">
+              <a:extLst>
+                <a:ext uri="{28A0092B-C50C-407E-A947-70E740481C1C}">
+                  <a14:useLocalDpi xmlns:a14="http://schemas.microsoft.com/office/drawing/2010/main" val="0"/>
+                </a:ext>
+              </a:extLst>
+            </a:blip>
+            <a:srcRect/>
+            <a:stretch>
+              <a:fillRect/>
+            </a:stretch>
+          </p:blipFill>
+          <p:spPr bwMode="auto">
+            <a:xfrm>
+              <a:off x="7092280" y="1786833"/>
+              <a:ext cx="2167589" cy="2167589"/>
+            </a:xfrm>
+            <a:prstGeom prst="rect">
+              <a:avLst/>
+            </a:prstGeom>
+            <a:noFill/>
+            <a:extLst>
+              <a:ext uri="{909E8E84-426E-40DD-AFC4-6F175D3DCCD1}">
+                <a14:hiddenFill xmlns:a14="http://schemas.microsoft.com/office/drawing/2010/main">
+                  <a:solidFill>
+                    <a:srgbClr val="FFFFFF"/>
+                  </a:solidFill>
+                </a14:hiddenFill>
+              </a:ext>
+            </a:extLst>
+          </p:spPr>
+        </p:pic>
+      </p:grpSp>
     </p:spTree>
   </p:cSld>
   <p:clrMapOvr>
@@ -6780,7 +6969,7 @@
         <p:fade/>
       </p:transition>
     </mc:Choice>
-    <mc:Fallback xmlns:dsp="http://schemas.microsoft.com/office/drawing/2008/diagram" xmlns:dgm="http://schemas.openxmlformats.org/drawingml/2006/diagram" xmlns:c="http://schemas.openxmlformats.org/drawingml/2006/chart" xmlns="">
+    <mc:Fallback xmlns="" xmlns:c="http://schemas.openxmlformats.org/drawingml/2006/chart" xmlns:dgm="http://schemas.openxmlformats.org/drawingml/2006/diagram" xmlns:dsp="http://schemas.microsoft.com/office/drawing/2008/diagram">
       <p:transition xmlns:mc="http://schemas.openxmlformats.org/markup-compatibility/2006" xmlns:hp="http://schemas.haansoft.com/office/presentation/8.0" mc:Ignorable="hp" hp:hslDur="700">
         <p:fade/>
       </p:transition>
@@ -7522,21 +7711,21 @@
                 <a:gridCol w="2733335">
                   <a:extLst>
                     <a:ext uri="{9D8B030D-6E8A-4147-A177-3AD203B41FA5}">
-                      <a16:colId xmlns:a16="http://schemas.microsoft.com/office/drawing/2014/main" xmlns="" val="20000"/>
+                      <a16:colId xmlns="" xmlns:a16="http://schemas.microsoft.com/office/drawing/2014/main" val="20000"/>
                     </a:ext>
                   </a:extLst>
                 </a:gridCol>
                 <a:gridCol w="2733335">
                   <a:extLst>
                     <a:ext uri="{9D8B030D-6E8A-4147-A177-3AD203B41FA5}">
-                      <a16:colId xmlns:a16="http://schemas.microsoft.com/office/drawing/2014/main" xmlns="" val="20001"/>
+                      <a16:colId xmlns="" xmlns:a16="http://schemas.microsoft.com/office/drawing/2014/main" val="20001"/>
                     </a:ext>
                   </a:extLst>
                 </a:gridCol>
                 <a:gridCol w="2733335">
                   <a:extLst>
                     <a:ext uri="{9D8B030D-6E8A-4147-A177-3AD203B41FA5}">
-                      <a16:colId xmlns:a16="http://schemas.microsoft.com/office/drawing/2014/main" xmlns="" val="20002"/>
+                      <a16:colId xmlns="" xmlns:a16="http://schemas.microsoft.com/office/drawing/2014/main" val="20002"/>
                     </a:ext>
                   </a:extLst>
                 </a:gridCol>
@@ -7643,7 +7832,7 @@
                 </a:tc>
                 <a:extLst>
                   <a:ext uri="{0D108BD9-81ED-4DB2-BD59-A6C34878D82A}">
-                    <a16:rowId xmlns:a16="http://schemas.microsoft.com/office/drawing/2014/main" xmlns="" val="10000"/>
+                    <a16:rowId xmlns="" xmlns:a16="http://schemas.microsoft.com/office/drawing/2014/main" val="10000"/>
                   </a:ext>
                 </a:extLst>
               </a:tr>
@@ -8346,7 +8535,7 @@
                 </a:tc>
                 <a:extLst>
                   <a:ext uri="{0D108BD9-81ED-4DB2-BD59-A6C34878D82A}">
-                    <a16:rowId xmlns:a16="http://schemas.microsoft.com/office/drawing/2014/main" xmlns="" val="10001"/>
+                    <a16:rowId xmlns="" xmlns:a16="http://schemas.microsoft.com/office/drawing/2014/main" val="10001"/>
                   </a:ext>
                 </a:extLst>
               </a:tr>
@@ -8365,7 +8554,7 @@
         <p:fade/>
       </p:transition>
     </mc:Choice>
-    <mc:Fallback xmlns:dsp="http://schemas.microsoft.com/office/drawing/2008/diagram" xmlns:dgm="http://schemas.openxmlformats.org/drawingml/2006/diagram" xmlns:c="http://schemas.openxmlformats.org/drawingml/2006/chart" xmlns="">
+    <mc:Fallback xmlns="" xmlns:c="http://schemas.openxmlformats.org/drawingml/2006/chart" xmlns:dgm="http://schemas.openxmlformats.org/drawingml/2006/diagram" xmlns:dsp="http://schemas.microsoft.com/office/drawing/2008/diagram">
       <p:transition xmlns:mc="http://schemas.openxmlformats.org/markup-compatibility/2006" xmlns:hp="http://schemas.haansoft.com/office/presentation/8.0" mc:Ignorable="hp" hp:hslDur="700">
         <p:fade/>
       </p:transition>
@@ -9968,14 +10157,7 @@
                     <a:latin typeface="HY강M" panose="02030600000101010101" pitchFamily="18" charset="-127"/>
                     <a:ea typeface="HY강M" panose="02030600000101010101" pitchFamily="18" charset="-127"/>
                   </a:rPr>
-                  <a:t> </a:t>
-                </a:r>
-                <a:r>
-                  <a:rPr lang="ko-KR" altLang="en-US" sz="1500" b="1" dirty="0" smtClean="0">
-                    <a:latin typeface="HY강M" panose="02030600000101010101" pitchFamily="18" charset="-127"/>
-                    <a:ea typeface="HY강M" panose="02030600000101010101" pitchFamily="18" charset="-127"/>
-                  </a:rPr>
-                  <a:t>구현</a:t>
+                  <a:t> 구현</a:t>
                 </a:r>
                 <a:endParaRPr lang="en-US" altLang="ko-KR" sz="1500" b="1" dirty="0">
                   <a:latin typeface="HY강M" panose="02030600000101010101" pitchFamily="18" charset="-127"/>
@@ -10006,7 +10188,7 @@
         <p:fade/>
       </p:transition>
     </mc:Choice>
-    <mc:Fallback xmlns:dsp="http://schemas.microsoft.com/office/drawing/2008/diagram" xmlns:dgm="http://schemas.openxmlformats.org/drawingml/2006/diagram" xmlns:c="http://schemas.openxmlformats.org/drawingml/2006/chart" xmlns="">
+    <mc:Fallback xmlns="" xmlns:c="http://schemas.openxmlformats.org/drawingml/2006/chart" xmlns:dgm="http://schemas.openxmlformats.org/drawingml/2006/diagram" xmlns:dsp="http://schemas.microsoft.com/office/drawing/2008/diagram">
       <p:transition xmlns:mc="http://schemas.openxmlformats.org/markup-compatibility/2006" xmlns:hp="http://schemas.haansoft.com/office/presentation/8.0" mc:Ignorable="hp" hp:hslDur="700">
         <p:fade/>
       </p:transition>
@@ -10965,7 +11147,7 @@
                 <p:cNvPr id="30" name="Picture 3">
                   <a:extLst>
                     <a:ext uri="{FF2B5EF4-FFF2-40B4-BE49-F238E27FC236}">
-                      <a16:creationId xmlns:a16="http://schemas.microsoft.com/office/drawing/2014/main" xmlns="" id="{912E8AD7-D834-4C5A-B026-11E653DA1AA3}"/>
+                      <a16:creationId xmlns="" xmlns:a16="http://schemas.microsoft.com/office/drawing/2014/main" id="{912E8AD7-D834-4C5A-B026-11E653DA1AA3}"/>
                     </a:ext>
                   </a:extLst>
                 </p:cNvPr>
@@ -11012,7 +11194,7 @@
                 <p:cNvPr id="36" name="TextBox 71">
                   <a:extLst>
                     <a:ext uri="{FF2B5EF4-FFF2-40B4-BE49-F238E27FC236}">
-                      <a16:creationId xmlns:a16="http://schemas.microsoft.com/office/drawing/2014/main" xmlns="" id="{BDA4A393-ECDC-4C35-BF84-928206C8C3DC}"/>
+                      <a16:creationId xmlns="" xmlns:a16="http://schemas.microsoft.com/office/drawing/2014/main" id="{BDA4A393-ECDC-4C35-BF84-928206C8C3DC}"/>
                     </a:ext>
                   </a:extLst>
                 </p:cNvPr>
@@ -11228,7 +11410,7 @@
                 <p:cNvPr id="32" name="Picture 2">
                   <a:extLst>
                     <a:ext uri="{FF2B5EF4-FFF2-40B4-BE49-F238E27FC236}">
-                      <a16:creationId xmlns:a16="http://schemas.microsoft.com/office/drawing/2014/main" xmlns="" id="{6CFE80F7-788A-4C97-A723-3CC619514B6D}"/>
+                      <a16:creationId xmlns="" xmlns:a16="http://schemas.microsoft.com/office/drawing/2014/main" id="{6CFE80F7-788A-4C97-A723-3CC619514B6D}"/>
                     </a:ext>
                   </a:extLst>
                 </p:cNvPr>
@@ -11275,7 +11457,7 @@
                 <p:cNvPr id="38" name="TextBox 71">
                   <a:extLst>
                     <a:ext uri="{FF2B5EF4-FFF2-40B4-BE49-F238E27FC236}">
-                      <a16:creationId xmlns:a16="http://schemas.microsoft.com/office/drawing/2014/main" xmlns="" id="{BDA4A393-ECDC-4C35-BF84-928206C8C3DC}"/>
+                      <a16:creationId xmlns="" xmlns:a16="http://schemas.microsoft.com/office/drawing/2014/main" id="{BDA4A393-ECDC-4C35-BF84-928206C8C3DC}"/>
                     </a:ext>
                   </a:extLst>
                 </p:cNvPr>
@@ -11613,7 +11795,7 @@
                 <p:cNvPr id="31" name="Picture 5">
                   <a:extLst>
                     <a:ext uri="{FF2B5EF4-FFF2-40B4-BE49-F238E27FC236}">
-                      <a16:creationId xmlns:a16="http://schemas.microsoft.com/office/drawing/2014/main" xmlns="" id="{028F506E-4001-4625-B62B-4210CE170F2B}"/>
+                      <a16:creationId xmlns="" xmlns:a16="http://schemas.microsoft.com/office/drawing/2014/main" id="{028F506E-4001-4625-B62B-4210CE170F2B}"/>
                     </a:ext>
                   </a:extLst>
                 </p:cNvPr>
@@ -11660,7 +11842,7 @@
                 <p:cNvPr id="37" name="TextBox 71">
                   <a:extLst>
                     <a:ext uri="{FF2B5EF4-FFF2-40B4-BE49-F238E27FC236}">
-                      <a16:creationId xmlns:a16="http://schemas.microsoft.com/office/drawing/2014/main" xmlns="" id="{BDA4A393-ECDC-4C35-BF84-928206C8C3DC}"/>
+                      <a16:creationId xmlns="" xmlns:a16="http://schemas.microsoft.com/office/drawing/2014/main" id="{BDA4A393-ECDC-4C35-BF84-928206C8C3DC}"/>
                     </a:ext>
                   </a:extLst>
                 </p:cNvPr>
@@ -12073,7 +12255,7 @@
         <p:fade/>
       </p:transition>
     </mc:Choice>
-    <mc:Fallback xmlns:dsp="http://schemas.microsoft.com/office/drawing/2008/diagram" xmlns:dgm="http://schemas.openxmlformats.org/drawingml/2006/diagram" xmlns:c="http://schemas.openxmlformats.org/drawingml/2006/chart" xmlns="">
+    <mc:Fallback xmlns="" xmlns:c="http://schemas.openxmlformats.org/drawingml/2006/chart" xmlns:dgm="http://schemas.openxmlformats.org/drawingml/2006/diagram" xmlns:dsp="http://schemas.microsoft.com/office/drawing/2008/diagram">
       <p:transition xmlns:mc="http://schemas.openxmlformats.org/markup-compatibility/2006" xmlns:hp="http://schemas.haansoft.com/office/presentation/8.0" mc:Ignorable="hp" hp:hslDur="700">
         <p:fade/>
       </p:transition>
@@ -12777,14 +12959,14 @@
                 <a:gridCol w="677025">
                   <a:extLst>
                     <a:ext uri="{9D8B030D-6E8A-4147-A177-3AD203B41FA5}">
-                      <a16:colId xmlns:a16="http://schemas.microsoft.com/office/drawing/2014/main" xmlns="" val="20000"/>
+                      <a16:colId xmlns="" xmlns:a16="http://schemas.microsoft.com/office/drawing/2014/main" val="20000"/>
                     </a:ext>
                   </a:extLst>
                 </a:gridCol>
                 <a:gridCol w="677025">
                   <a:extLst>
                     <a:ext uri="{9D8B030D-6E8A-4147-A177-3AD203B41FA5}">
-                      <a16:colId xmlns:a16="http://schemas.microsoft.com/office/drawing/2014/main" xmlns="" val="20001"/>
+                      <a16:colId xmlns="" xmlns:a16="http://schemas.microsoft.com/office/drawing/2014/main" val="20001"/>
                     </a:ext>
                   </a:extLst>
                 </a:gridCol>
@@ -12844,7 +13026,7 @@
                 </a:tc>
                 <a:extLst>
                   <a:ext uri="{0D108BD9-81ED-4DB2-BD59-A6C34878D82A}">
-                    <a16:rowId xmlns:a16="http://schemas.microsoft.com/office/drawing/2014/main" xmlns="" val="10000"/>
+                    <a16:rowId xmlns="" xmlns:a16="http://schemas.microsoft.com/office/drawing/2014/main" val="10000"/>
                   </a:ext>
                 </a:extLst>
               </a:tr>
@@ -12907,7 +13089,7 @@
                 </a:tc>
                 <a:extLst>
                   <a:ext uri="{0D108BD9-81ED-4DB2-BD59-A6C34878D82A}">
-                    <a16:rowId xmlns:a16="http://schemas.microsoft.com/office/drawing/2014/main" xmlns="" val="10001"/>
+                    <a16:rowId xmlns="" xmlns:a16="http://schemas.microsoft.com/office/drawing/2014/main" val="10001"/>
                   </a:ext>
                 </a:extLst>
               </a:tr>
@@ -12970,7 +13152,7 @@
                 </a:tc>
                 <a:extLst>
                   <a:ext uri="{0D108BD9-81ED-4DB2-BD59-A6C34878D82A}">
-                    <a16:rowId xmlns:a16="http://schemas.microsoft.com/office/drawing/2014/main" xmlns="" val="10002"/>
+                    <a16:rowId xmlns="" xmlns:a16="http://schemas.microsoft.com/office/drawing/2014/main" val="10002"/>
                   </a:ext>
                 </a:extLst>
               </a:tr>
@@ -13032,7 +13214,7 @@
                 </a:tc>
                 <a:extLst>
                   <a:ext uri="{0D108BD9-81ED-4DB2-BD59-A6C34878D82A}">
-                    <a16:rowId xmlns:a16="http://schemas.microsoft.com/office/drawing/2014/main" xmlns="" val="10003"/>
+                    <a16:rowId xmlns="" xmlns:a16="http://schemas.microsoft.com/office/drawing/2014/main" val="10003"/>
                   </a:ext>
                 </a:extLst>
               </a:tr>
@@ -17300,7 +17482,7 @@
         <p:fade/>
       </p:transition>
     </mc:Choice>
-    <mc:Fallback xmlns:dsp="http://schemas.microsoft.com/office/drawing/2008/diagram" xmlns:dgm="http://schemas.openxmlformats.org/drawingml/2006/diagram" xmlns:c="http://schemas.openxmlformats.org/drawingml/2006/chart" xmlns="">
+    <mc:Fallback xmlns="" xmlns:c="http://schemas.openxmlformats.org/drawingml/2006/chart" xmlns:dgm="http://schemas.openxmlformats.org/drawingml/2006/diagram" xmlns:dsp="http://schemas.microsoft.com/office/drawing/2008/diagram">
       <p:transition xmlns:mc="http://schemas.openxmlformats.org/markup-compatibility/2006" xmlns:hp="http://schemas.haansoft.com/office/presentation/8.0" mc:Ignorable="hp" hp:hslDur="700">
         <p:fade/>
       </p:transition>
@@ -17405,75 +17587,259 @@
       </p:sp>
       <p:sp>
         <p:nvSpPr>
-          <p:cNvPr id="20" name="TextBox 19"/>
-          <p:cNvSpPr txBox="1"/>
+          <p:cNvPr id="2" name="직사각형 1"/>
+          <p:cNvSpPr/>
           <p:nvPr/>
         </p:nvSpPr>
         <p:spPr>
           <a:xfrm>
-            <a:off x="899592" y="1124744"/>
-            <a:ext cx="4185761" cy="1200329"/>
+            <a:off x="0" y="1253073"/>
+            <a:ext cx="9144000" cy="5632311"/>
           </a:xfrm>
           <a:prstGeom prst="rect">
             <a:avLst/>
           </a:prstGeom>
         </p:spPr>
         <p:txBody>
-          <a:bodyPr wrap="none">
+          <a:bodyPr wrap="square">
             <a:spAutoFit/>
           </a:bodyPr>
           <a:lstStyle/>
           <a:p>
-            <a:pPr>
-              <a:defRPr/>
-            </a:pPr>
-            <a:r>
-              <a:rPr lang="en-US" altLang="en-US" dirty="0">
-                <a:latin typeface="HY강M" panose="02030600000101010101" pitchFamily="18" charset="-127"/>
-                <a:ea typeface="HY강M" panose="02030600000101010101" pitchFamily="18" charset="-127"/>
-                <a:hlinkClick r:id="rId2"/>
-              </a:rPr>
-              <a:t>https://ccm3.net/archives/20167</a:t>
-            </a:r>
-            <a:endParaRPr lang="en-US" altLang="en-US" dirty="0">
-              <a:latin typeface="HY강M" panose="02030600000101010101" pitchFamily="18" charset="-127"/>
-              <a:ea typeface="HY강M" panose="02030600000101010101" pitchFamily="18" charset="-127"/>
-            </a:endParaRPr>
-          </a:p>
-          <a:p>
-            <a:pPr>
-              <a:defRPr/>
-            </a:pPr>
-            <a:r>
-              <a:rPr lang="en-US" altLang="en-US" dirty="0">
-                <a:latin typeface="HY강M" panose="02030600000101010101" pitchFamily="18" charset="-127"/>
-                <a:ea typeface="HY강M" panose="02030600000101010101" pitchFamily="18" charset="-127"/>
-                <a:hlinkClick r:id="rId3"/>
-              </a:rPr>
-              <a:t>https://icons8.kr/icon/5336/%EA%B2%80</a:t>
-            </a:r>
-            <a:endParaRPr lang="en-US" altLang="en-US" dirty="0">
-              <a:latin typeface="HY강M" panose="02030600000101010101" pitchFamily="18" charset="-127"/>
-              <a:ea typeface="HY강M" panose="02030600000101010101" pitchFamily="18" charset="-127"/>
-            </a:endParaRPr>
-          </a:p>
-          <a:p>
-            <a:pPr>
-              <a:defRPr/>
-            </a:pPr>
-            <a:endParaRPr lang="en-US" altLang="en-US" dirty="0">
-              <a:latin typeface="HY강M" panose="02030600000101010101" pitchFamily="18" charset="-127"/>
-              <a:ea typeface="HY강M" panose="02030600000101010101" pitchFamily="18" charset="-127"/>
-            </a:endParaRPr>
-          </a:p>
-          <a:p>
-            <a:pPr>
-              <a:defRPr/>
-            </a:pPr>
-            <a:endParaRPr lang="en-US" altLang="en-US" dirty="0">
-              <a:latin typeface="HY강M" panose="02030600000101010101" pitchFamily="18" charset="-127"/>
-              <a:ea typeface="HY강M" panose="02030600000101010101" pitchFamily="18" charset="-127"/>
-            </a:endParaRPr>
+            <a:pPr algn="ctr" fontAlgn="base"/>
+            <a:r>
+              <a:rPr lang="en-US" altLang="ko-KR" dirty="0">
+                <a:hlinkClick r:id="rId2" tooltip="https://www.pngegg.com/ko/png-bxfnt"/>
+              </a:rPr>
+              <a:t>https://www.pngegg.com/ko/png-bxfnt</a:t>
+            </a:r>
+            <a:endParaRPr lang="en-US" altLang="ko-KR" dirty="0"/>
+          </a:p>
+          <a:p>
+            <a:pPr algn="ctr" fontAlgn="base"/>
+            <a:r>
+              <a:rPr lang="en-US" altLang="ko-KR" u="sng" dirty="0" smtClean="0">
+                <a:hlinkClick r:id="rId3" tooltip="https://www.pngegg.com/ko/png-wgjko"/>
+              </a:rPr>
+              <a:t>https</a:t>
+            </a:r>
+            <a:r>
+              <a:rPr lang="en-US" altLang="ko-KR" u="sng" dirty="0">
+                <a:hlinkClick r:id="rId3" tooltip="https://www.pngegg.com/ko/png-wgjko"/>
+              </a:rPr>
+              <a:t>://</a:t>
+            </a:r>
+            <a:r>
+              <a:rPr lang="en-US" altLang="ko-KR" u="sng" dirty="0" smtClean="0">
+                <a:hlinkClick r:id="rId3" tooltip="https://www.pngegg.com/ko/png-wgjko"/>
+              </a:rPr>
+              <a:t>www.pngegg.com/ko/png-wgjko</a:t>
+            </a:r>
+            <a:endParaRPr lang="en-US" altLang="ko-KR" u="sng" dirty="0" smtClean="0"/>
+          </a:p>
+          <a:p>
+            <a:pPr algn="ctr" fontAlgn="base"/>
+            <a:r>
+              <a:rPr lang="en-US" altLang="ko-KR" dirty="0" smtClean="0">
+                <a:hlinkClick r:id="rId4" tooltip="https://www.pngegg.com/ko/png-tiaot"/>
+              </a:rPr>
+              <a:t>https</a:t>
+            </a:r>
+            <a:r>
+              <a:rPr lang="en-US" altLang="ko-KR" dirty="0">
+                <a:hlinkClick r:id="rId4" tooltip="https://www.pngegg.com/ko/png-tiaot"/>
+              </a:rPr>
+              <a:t>://</a:t>
+            </a:r>
+            <a:r>
+              <a:rPr lang="en-US" altLang="ko-KR" dirty="0" smtClean="0">
+                <a:hlinkClick r:id="rId4" tooltip="https://www.pngegg.com/ko/png-tiaot"/>
+              </a:rPr>
+              <a:t>www.pngegg.com/ko/png-tiaot</a:t>
+            </a:r>
+            <a:endParaRPr lang="en-US" altLang="ko-KR" dirty="0" smtClean="0"/>
+          </a:p>
+          <a:p>
+            <a:pPr algn="ctr" fontAlgn="base"/>
+            <a:r>
+              <a:rPr lang="en-US" altLang="ko-KR" dirty="0" smtClean="0">
+                <a:hlinkClick r:id="rId5" tooltip="https://www.pngegg.com/ko/png-ehmwv"/>
+              </a:rPr>
+              <a:t>https</a:t>
+            </a:r>
+            <a:r>
+              <a:rPr lang="en-US" altLang="ko-KR" dirty="0">
+                <a:hlinkClick r:id="rId5" tooltip="https://www.pngegg.com/ko/png-ehmwv"/>
+              </a:rPr>
+              <a:t>://</a:t>
+            </a:r>
+            <a:r>
+              <a:rPr lang="en-US" altLang="ko-KR" dirty="0" smtClean="0">
+                <a:hlinkClick r:id="rId5" tooltip="https://www.pngegg.com/ko/png-ehmwv"/>
+              </a:rPr>
+              <a:t>www.pngegg.com/ko/png-ehmwv</a:t>
+            </a:r>
+            <a:endParaRPr lang="en-US" altLang="ko-KR" dirty="0" smtClean="0"/>
+          </a:p>
+          <a:p>
+            <a:pPr algn="ctr" fontAlgn="base"/>
+            <a:r>
+              <a:rPr lang="en-US" altLang="ko-KR" dirty="0" smtClean="0"/>
+              <a:t>4p,14p  </a:t>
+            </a:r>
+            <a:r>
+              <a:rPr lang="ko-KR" altLang="en-US" dirty="0" smtClean="0"/>
+              <a:t>사진 출처</a:t>
+            </a:r>
+            <a:endParaRPr lang="en-US" altLang="ko-KR" dirty="0" smtClean="0"/>
+          </a:p>
+          <a:p>
+            <a:pPr algn="ctr" fontAlgn="base"/>
+            <a:endParaRPr lang="en-US" altLang="ko-KR" dirty="0"/>
+          </a:p>
+          <a:p>
+            <a:pPr algn="ctr" fontAlgn="base"/>
+            <a:r>
+              <a:rPr lang="en-US" altLang="ko-KR" dirty="0">
+                <a:hlinkClick r:id="rId6" tooltip="https://www.pngegg.com/ko/png-itrdl"/>
+              </a:rPr>
+              <a:t>https://www.pngegg.com/ko/png-itrdl</a:t>
+            </a:r>
+            <a:endParaRPr lang="en-US" altLang="ko-KR" dirty="0"/>
+          </a:p>
+          <a:p>
+            <a:pPr algn="ctr" fontAlgn="base"/>
+            <a:r>
+              <a:rPr lang="en-US" altLang="ko-KR" dirty="0">
+                <a:hlinkClick r:id="rId7" tooltip="https://www.pngegg.com/ko/png-nooda"/>
+              </a:rPr>
+              <a:t>https://www.pngegg.com/ko/png-nooda</a:t>
+            </a:r>
+            <a:endParaRPr lang="en-US" altLang="ko-KR" dirty="0"/>
+          </a:p>
+          <a:p>
+            <a:pPr algn="ctr" fontAlgn="base"/>
+            <a:r>
+              <a:rPr lang="en-US" altLang="ko-KR" dirty="0"/>
+              <a:t>7p </a:t>
+            </a:r>
+            <a:r>
+              <a:rPr lang="ko-KR" altLang="en-US" dirty="0"/>
+              <a:t>사진 </a:t>
+            </a:r>
+            <a:r>
+              <a:rPr lang="ko-KR" altLang="en-US" dirty="0" smtClean="0"/>
+              <a:t>출처</a:t>
+            </a:r>
+            <a:endParaRPr lang="en-US" altLang="ko-KR" dirty="0" smtClean="0"/>
+          </a:p>
+          <a:p>
+            <a:pPr algn="ctr" fontAlgn="base"/>
+            <a:endParaRPr lang="en-US" altLang="ko-KR" dirty="0"/>
+          </a:p>
+          <a:p>
+            <a:pPr algn="ctr" fontAlgn="base"/>
+            <a:r>
+              <a:rPr lang="en-US" altLang="ko-KR" dirty="0">
+                <a:hlinkClick r:id="rId8"/>
+              </a:rPr>
+              <a:t>https://</a:t>
+            </a:r>
+            <a:r>
+              <a:rPr lang="en-US" altLang="ko-KR" dirty="0" smtClean="0">
+                <a:hlinkClick r:id="rId8"/>
+              </a:rPr>
+              <a:t>www.pngegg.com/ko/png-oubjq</a:t>
+            </a:r>
+            <a:endParaRPr lang="en-US" altLang="ko-KR" dirty="0" smtClean="0"/>
+          </a:p>
+          <a:p>
+            <a:pPr algn="ctr" fontAlgn="base"/>
+            <a:r>
+              <a:rPr lang="en-US" altLang="ko-KR" dirty="0">
+                <a:hlinkClick r:id="rId9"/>
+              </a:rPr>
+              <a:t>https://</a:t>
+            </a:r>
+            <a:r>
+              <a:rPr lang="en-US" altLang="ko-KR" dirty="0" smtClean="0">
+                <a:hlinkClick r:id="rId9"/>
+              </a:rPr>
+              <a:t>www.pngegg.com/ko/png-idxuy/download</a:t>
+            </a:r>
+            <a:endParaRPr lang="en-US" altLang="ko-KR" dirty="0" smtClean="0"/>
+          </a:p>
+          <a:p>
+            <a:pPr algn="ctr" fontAlgn="base"/>
+            <a:r>
+              <a:rPr lang="en-US" altLang="ko-KR" dirty="0">
+                <a:hlinkClick r:id="rId10"/>
+              </a:rPr>
+              <a:t>https://m.blog.naver.com/PostView.nhn?blogId=achika0123&amp;logNo=221225641841&amp;proxyReferer=https:%</a:t>
+            </a:r>
+            <a:r>
+              <a:rPr lang="en-US" altLang="ko-KR" dirty="0" smtClean="0">
+                <a:hlinkClick r:id="rId10"/>
+              </a:rPr>
+              <a:t>2F%2Fwww.google.com%2F</a:t>
+            </a:r>
+            <a:endParaRPr lang="en-US" altLang="ko-KR" dirty="0" smtClean="0"/>
+          </a:p>
+          <a:p>
+            <a:pPr algn="ctr" fontAlgn="base"/>
+            <a:r>
+              <a:rPr lang="en-US" altLang="ko-KR" dirty="0">
+                <a:hlinkClick r:id="rId11"/>
+              </a:rPr>
+              <a:t>https://</a:t>
+            </a:r>
+            <a:r>
+              <a:rPr lang="en-US" altLang="ko-KR" dirty="0" smtClean="0">
+                <a:hlinkClick r:id="rId11"/>
+              </a:rPr>
+              <a:t>www.pngegg.com/ko/png-yicos/download</a:t>
+            </a:r>
+            <a:endParaRPr lang="en-US" altLang="ko-KR" dirty="0" smtClean="0"/>
+          </a:p>
+          <a:p>
+            <a:pPr algn="ctr" fontAlgn="base"/>
+            <a:r>
+              <a:rPr lang="en-US" altLang="ko-KR" dirty="0">
+                <a:hlinkClick r:id="rId12"/>
+              </a:rPr>
+              <a:t>https://</a:t>
+            </a:r>
+            <a:r>
+              <a:rPr lang="en-US" altLang="ko-KR" dirty="0" smtClean="0">
+                <a:hlinkClick r:id="rId12"/>
+              </a:rPr>
+              <a:t>m.blog.naver.com/grooo02/222004731772</a:t>
+            </a:r>
+            <a:endParaRPr lang="en-US" altLang="ko-KR" dirty="0" smtClean="0"/>
+          </a:p>
+          <a:p>
+            <a:pPr algn="ctr" fontAlgn="base"/>
+            <a:r>
+              <a:rPr lang="en-US" altLang="ko-KR" dirty="0" smtClean="0"/>
+              <a:t>11p </a:t>
+            </a:r>
+            <a:r>
+              <a:rPr lang="ko-KR" altLang="en-US" dirty="0" smtClean="0"/>
+              <a:t>사진 출처</a:t>
+            </a:r>
+            <a:endParaRPr lang="ko-KR" altLang="en-US" dirty="0"/>
+          </a:p>
+          <a:p>
+            <a:pPr algn="ctr" fontAlgn="base"/>
+            <a:endParaRPr lang="ko-KR" altLang="en-US" dirty="0"/>
+          </a:p>
+          <a:p>
+            <a:pPr algn="ctr" fontAlgn="base"/>
+            <a:endParaRPr lang="ko-KR" altLang="en-US" dirty="0"/>
+          </a:p>
+          <a:p>
+            <a:pPr algn="ctr" fontAlgn="base"/>
+            <a:endParaRPr lang="ko-KR" altLang="en-US" dirty="0"/>
           </a:p>
         </p:txBody>
       </p:sp>
@@ -17488,7 +17854,7 @@
         <p:fade/>
       </p:transition>
     </mc:Choice>
-    <mc:Fallback xmlns:dsp="http://schemas.microsoft.com/office/drawing/2008/diagram" xmlns:dgm="http://schemas.openxmlformats.org/drawingml/2006/diagram" xmlns:c="http://schemas.openxmlformats.org/drawingml/2006/chart" xmlns="">
+    <mc:Fallback xmlns="" xmlns:c="http://schemas.openxmlformats.org/drawingml/2006/chart" xmlns:dgm="http://schemas.openxmlformats.org/drawingml/2006/diagram" xmlns:dsp="http://schemas.microsoft.com/office/drawing/2008/diagram">
       <p:transition xmlns:mc="http://schemas.openxmlformats.org/markup-compatibility/2006" xmlns:hp="http://schemas.haansoft.com/office/presentation/8.0" mc:Ignorable="hp" hp:hslDur="700">
         <p:fade/>
       </p:transition>
@@ -17597,12 +17963,19 @@
         <p:fade/>
       </p:transition>
     </mc:Choice>
-    <mc:Fallback xmlns:dsp="http://schemas.microsoft.com/office/drawing/2008/diagram" xmlns:dgm="http://schemas.openxmlformats.org/drawingml/2006/diagram" xmlns:c="http://schemas.openxmlformats.org/drawingml/2006/chart" xmlns="">
+    <mc:Fallback xmlns="" xmlns:c="http://schemas.openxmlformats.org/drawingml/2006/chart" xmlns:dgm="http://schemas.openxmlformats.org/drawingml/2006/diagram" xmlns:dsp="http://schemas.microsoft.com/office/drawing/2008/diagram">
       <p:transition xmlns:mc="http://schemas.openxmlformats.org/markup-compatibility/2006" xmlns:hp="http://schemas.haansoft.com/office/presentation/8.0" mc:Ignorable="hp" hp:hslDur="700">
         <p:fade/>
       </p:transition>
     </mc:Fallback>
   </mc:AlternateContent>
+  <p:timing>
+    <p:tnLst>
+      <p:par>
+        <p:cTn id="1" dur="indefinite" restart="never" nodeType="tmRoot"/>
+      </p:par>
+    </p:tnLst>
+  </p:timing>
 </p:sld>
 </file>
 
@@ -18090,7 +18463,7 @@
         <p:fade/>
       </p:transition>
     </mc:Choice>
-    <mc:Fallback xmlns:dsp="http://schemas.microsoft.com/office/drawing/2008/diagram" xmlns:dgm="http://schemas.openxmlformats.org/drawingml/2006/diagram" xmlns:c="http://schemas.openxmlformats.org/drawingml/2006/chart" xmlns="">
+    <mc:Fallback xmlns="" xmlns:c="http://schemas.openxmlformats.org/drawingml/2006/chart" xmlns:dgm="http://schemas.openxmlformats.org/drawingml/2006/diagram" xmlns:dsp="http://schemas.microsoft.com/office/drawing/2008/diagram">
       <p:transition xmlns:mc="http://schemas.openxmlformats.org/markup-compatibility/2006" xmlns:hp="http://schemas.haansoft.com/office/presentation/8.0" mc:Ignorable="hp" hp:hslDur="700">
         <p:fade/>
       </p:transition>
@@ -19306,7 +19679,7 @@
         <p:fade/>
       </p:transition>
     </mc:Choice>
-    <mc:Fallback xmlns:dsp="http://schemas.microsoft.com/office/drawing/2008/diagram" xmlns:dgm="http://schemas.openxmlformats.org/drawingml/2006/diagram" xmlns:c="http://schemas.openxmlformats.org/drawingml/2006/chart" xmlns="">
+    <mc:Fallback xmlns="" xmlns:c="http://schemas.openxmlformats.org/drawingml/2006/chart" xmlns:dgm="http://schemas.openxmlformats.org/drawingml/2006/diagram" xmlns:dsp="http://schemas.microsoft.com/office/drawing/2008/diagram">
       <p:transition xmlns:mc="http://schemas.openxmlformats.org/markup-compatibility/2006" xmlns:hp="http://schemas.haansoft.com/office/presentation/8.0" mc:Ignorable="hp" hp:hslDur="700">
         <p:fade/>
       </p:transition>
@@ -20113,7 +20486,7 @@
           <p:cNvPr id="23" name="그룹 22">
             <a:extLst>
               <a:ext uri="{FF2B5EF4-FFF2-40B4-BE49-F238E27FC236}">
-                <a16:creationId xmlns:a16="http://schemas.microsoft.com/office/drawing/2014/main" xmlns="" id="{64ACF594-C15C-47FC-91E0-6CD0C5918AF5}"/>
+                <a16:creationId xmlns="" xmlns:a16="http://schemas.microsoft.com/office/drawing/2014/main" id="{64ACF594-C15C-47FC-91E0-6CD0C5918AF5}"/>
               </a:ext>
             </a:extLst>
           </p:cNvPr>
@@ -20133,7 +20506,7 @@
             <p:cNvPr id="24" name="TextBox 70">
               <a:extLst>
                 <a:ext uri="{FF2B5EF4-FFF2-40B4-BE49-F238E27FC236}">
-                  <a16:creationId xmlns:a16="http://schemas.microsoft.com/office/drawing/2014/main" xmlns="" id="{C79BB468-187F-4932-B371-71D15A123C17}"/>
+                  <a16:creationId xmlns="" xmlns:a16="http://schemas.microsoft.com/office/drawing/2014/main" id="{C79BB468-187F-4932-B371-71D15A123C17}"/>
                 </a:ext>
               </a:extLst>
             </p:cNvPr>
@@ -20298,7 +20671,7 @@
             <p:cNvPr id="25" name="TextBox 71">
               <a:extLst>
                 <a:ext uri="{FF2B5EF4-FFF2-40B4-BE49-F238E27FC236}">
-                  <a16:creationId xmlns:a16="http://schemas.microsoft.com/office/drawing/2014/main" xmlns="" id="{BDA4A393-ECDC-4C35-BF84-928206C8C3DC}"/>
+                  <a16:creationId xmlns="" xmlns:a16="http://schemas.microsoft.com/office/drawing/2014/main" id="{BDA4A393-ECDC-4C35-BF84-928206C8C3DC}"/>
                 </a:ext>
               </a:extLst>
             </p:cNvPr>
@@ -20484,7 +20857,7 @@
             <p:cNvPr id="26" name="TextBox 80">
               <a:extLst>
                 <a:ext uri="{FF2B5EF4-FFF2-40B4-BE49-F238E27FC236}">
-                  <a16:creationId xmlns:a16="http://schemas.microsoft.com/office/drawing/2014/main" xmlns="" id="{57647374-E6C9-49C9-ACE9-582BCEF36E5D}"/>
+                  <a16:creationId xmlns="" xmlns:a16="http://schemas.microsoft.com/office/drawing/2014/main" id="{57647374-E6C9-49C9-ACE9-582BCEF36E5D}"/>
                 </a:ext>
               </a:extLst>
             </p:cNvPr>
@@ -20649,7 +21022,7 @@
             <p:cNvPr id="30" name="TextBox 82">
               <a:extLst>
                 <a:ext uri="{FF2B5EF4-FFF2-40B4-BE49-F238E27FC236}">
-                  <a16:creationId xmlns:a16="http://schemas.microsoft.com/office/drawing/2014/main" xmlns="" id="{59BA57D6-E7B2-4B89-8404-CC8F60F16A5D}"/>
+                  <a16:creationId xmlns="" xmlns:a16="http://schemas.microsoft.com/office/drawing/2014/main" id="{59BA57D6-E7B2-4B89-8404-CC8F60F16A5D}"/>
                 </a:ext>
               </a:extLst>
             </p:cNvPr>
@@ -20835,7 +21208,7 @@
             <p:cNvPr id="31" name="TextBox 83">
               <a:extLst>
                 <a:ext uri="{FF2B5EF4-FFF2-40B4-BE49-F238E27FC236}">
-                  <a16:creationId xmlns:a16="http://schemas.microsoft.com/office/drawing/2014/main" xmlns="" id="{5F4D836C-BAE4-4563-A95E-0946440544AF}"/>
+                  <a16:creationId xmlns="" xmlns:a16="http://schemas.microsoft.com/office/drawing/2014/main" id="{5F4D836C-BAE4-4563-A95E-0946440544AF}"/>
                 </a:ext>
               </a:extLst>
             </p:cNvPr>
@@ -21021,7 +21394,7 @@
             <p:cNvPr id="32" name="TextBox 84">
               <a:extLst>
                 <a:ext uri="{FF2B5EF4-FFF2-40B4-BE49-F238E27FC236}">
-                  <a16:creationId xmlns:a16="http://schemas.microsoft.com/office/drawing/2014/main" xmlns="" id="{C50D4D66-4AFE-4B66-BE6E-4FFCA3B3EA2A}"/>
+                  <a16:creationId xmlns="" xmlns:a16="http://schemas.microsoft.com/office/drawing/2014/main" id="{C50D4D66-4AFE-4B66-BE6E-4FFCA3B3EA2A}"/>
                 </a:ext>
               </a:extLst>
             </p:cNvPr>
@@ -21249,7 +21622,7 @@
             <p:cNvPr id="36" name="Picture 2">
               <a:extLst>
                 <a:ext uri="{FF2B5EF4-FFF2-40B4-BE49-F238E27FC236}">
-                  <a16:creationId xmlns:a16="http://schemas.microsoft.com/office/drawing/2014/main" xmlns="" id="{6CFE80F7-788A-4C97-A723-3CC619514B6D}"/>
+                  <a16:creationId xmlns="" xmlns:a16="http://schemas.microsoft.com/office/drawing/2014/main" id="{6CFE80F7-788A-4C97-A723-3CC619514B6D}"/>
                 </a:ext>
               </a:extLst>
             </p:cNvPr>
@@ -21296,7 +21669,7 @@
             <p:cNvPr id="37" name="Picture 3">
               <a:extLst>
                 <a:ext uri="{FF2B5EF4-FFF2-40B4-BE49-F238E27FC236}">
-                  <a16:creationId xmlns:a16="http://schemas.microsoft.com/office/drawing/2014/main" xmlns="" id="{912E8AD7-D834-4C5A-B026-11E653DA1AA3}"/>
+                  <a16:creationId xmlns="" xmlns:a16="http://schemas.microsoft.com/office/drawing/2014/main" id="{912E8AD7-D834-4C5A-B026-11E653DA1AA3}"/>
                 </a:ext>
               </a:extLst>
             </p:cNvPr>
@@ -21343,7 +21716,7 @@
             <p:cNvPr id="38" name="Picture 5">
               <a:extLst>
                 <a:ext uri="{FF2B5EF4-FFF2-40B4-BE49-F238E27FC236}">
-                  <a16:creationId xmlns:a16="http://schemas.microsoft.com/office/drawing/2014/main" xmlns="" id="{028F506E-4001-4625-B62B-4210CE170F2B}"/>
+                  <a16:creationId xmlns="" xmlns:a16="http://schemas.microsoft.com/office/drawing/2014/main" id="{028F506E-4001-4625-B62B-4210CE170F2B}"/>
                 </a:ext>
               </a:extLst>
             </p:cNvPr>
@@ -21390,7 +21763,7 @@
             <p:cNvPr id="39" name="TextBox 86">
               <a:extLst>
                 <a:ext uri="{FF2B5EF4-FFF2-40B4-BE49-F238E27FC236}">
-                  <a16:creationId xmlns:a16="http://schemas.microsoft.com/office/drawing/2014/main" xmlns="" id="{A2F27515-4A75-4194-8572-FE1AD536DBC9}"/>
+                  <a16:creationId xmlns="" xmlns:a16="http://schemas.microsoft.com/office/drawing/2014/main" id="{A2F27515-4A75-4194-8572-FE1AD536DBC9}"/>
                 </a:ext>
               </a:extLst>
             </p:cNvPr>
@@ -21534,7 +21907,7 @@
             <p:cNvPr id="43" name="TextBox 89">
               <a:extLst>
                 <a:ext uri="{FF2B5EF4-FFF2-40B4-BE49-F238E27FC236}">
-                  <a16:creationId xmlns:a16="http://schemas.microsoft.com/office/drawing/2014/main" xmlns="" id="{70F55B4A-443D-46B7-A2C6-FBA67B8445E2}"/>
+                  <a16:creationId xmlns="" xmlns:a16="http://schemas.microsoft.com/office/drawing/2014/main" id="{70F55B4A-443D-46B7-A2C6-FBA67B8445E2}"/>
                 </a:ext>
               </a:extLst>
             </p:cNvPr>
@@ -21681,7 +22054,7 @@
             <p:cNvPr id="44" name="TextBox 95">
               <a:extLst>
                 <a:ext uri="{FF2B5EF4-FFF2-40B4-BE49-F238E27FC236}">
-                  <a16:creationId xmlns:a16="http://schemas.microsoft.com/office/drawing/2014/main" xmlns="" id="{372AFE4D-8016-4E46-84F7-084AE4121FF1}"/>
+                  <a16:creationId xmlns="" xmlns:a16="http://schemas.microsoft.com/office/drawing/2014/main" id="{372AFE4D-8016-4E46-84F7-084AE4121FF1}"/>
                 </a:ext>
               </a:extLst>
             </p:cNvPr>
@@ -21867,7 +22240,7 @@
             <p:cNvPr id="45" name="Picture 8">
               <a:extLst>
                 <a:ext uri="{FF2B5EF4-FFF2-40B4-BE49-F238E27FC236}">
-                  <a16:creationId xmlns:a16="http://schemas.microsoft.com/office/drawing/2014/main" xmlns="" id="{EA57A2D3-C699-4053-8CAB-EE9AB26C7161}"/>
+                  <a16:creationId xmlns="" xmlns:a16="http://schemas.microsoft.com/office/drawing/2014/main" id="{EA57A2D3-C699-4053-8CAB-EE9AB26C7161}"/>
                 </a:ext>
               </a:extLst>
             </p:cNvPr>
@@ -21921,7 +22294,7 @@
         <p:fade/>
       </p:transition>
     </mc:Choice>
-    <mc:Fallback xmlns:dsp="http://schemas.microsoft.com/office/drawing/2008/diagram" xmlns:dgm="http://schemas.openxmlformats.org/drawingml/2006/diagram" xmlns:c="http://schemas.openxmlformats.org/drawingml/2006/chart" xmlns="">
+    <mc:Fallback xmlns="" xmlns:c="http://schemas.openxmlformats.org/drawingml/2006/chart" xmlns:dgm="http://schemas.openxmlformats.org/drawingml/2006/diagram" xmlns:dsp="http://schemas.microsoft.com/office/drawing/2008/diagram">
       <p:transition xmlns:mc="http://schemas.openxmlformats.org/markup-compatibility/2006" xmlns:hp="http://schemas.haansoft.com/office/presentation/8.0" mc:Ignorable="hp" hp:hslDur="700">
         <p:fade/>
       </p:transition>
@@ -25301,7 +25674,7 @@
         <p:fade/>
       </p:transition>
     </mc:Choice>
-    <mc:Fallback xmlns:dsp="http://schemas.microsoft.com/office/drawing/2008/diagram" xmlns:dgm="http://schemas.openxmlformats.org/drawingml/2006/diagram" xmlns:c="http://schemas.openxmlformats.org/drawingml/2006/chart" xmlns="">
+    <mc:Fallback xmlns="" xmlns:c="http://schemas.openxmlformats.org/drawingml/2006/chart" xmlns:dgm="http://schemas.openxmlformats.org/drawingml/2006/diagram" xmlns:dsp="http://schemas.microsoft.com/office/drawing/2008/diagram">
       <p:transition xmlns:mc="http://schemas.openxmlformats.org/markup-compatibility/2006" xmlns:hp="http://schemas.haansoft.com/office/presentation/8.0" mc:Ignorable="hp" hp:hslDur="700">
         <p:fade/>
       </p:transition>
@@ -26338,7 +26711,7 @@
         <p:fade/>
       </p:transition>
     </mc:Choice>
-    <mc:Fallback xmlns:dsp="http://schemas.microsoft.com/office/drawing/2008/diagram" xmlns:dgm="http://schemas.openxmlformats.org/drawingml/2006/diagram" xmlns:c="http://schemas.openxmlformats.org/drawingml/2006/chart" xmlns="">
+    <mc:Fallback xmlns="" xmlns:c="http://schemas.openxmlformats.org/drawingml/2006/chart" xmlns:dgm="http://schemas.openxmlformats.org/drawingml/2006/diagram" xmlns:dsp="http://schemas.microsoft.com/office/drawing/2008/diagram">
       <p:transition xmlns:mc="http://schemas.openxmlformats.org/markup-compatibility/2006" xmlns:hp="http://schemas.haansoft.com/office/presentation/8.0" mc:Ignorable="hp" hp:hslDur="700">
         <p:fade/>
       </p:transition>
@@ -27558,7 +27931,7 @@
         <p:fade/>
       </p:transition>
     </mc:Choice>
-    <mc:Fallback xmlns:dsp="http://schemas.microsoft.com/office/drawing/2008/diagram" xmlns:dgm="http://schemas.openxmlformats.org/drawingml/2006/diagram" xmlns:c="http://schemas.openxmlformats.org/drawingml/2006/chart" xmlns="">
+    <mc:Fallback xmlns="" xmlns:c="http://schemas.openxmlformats.org/drawingml/2006/chart" xmlns:dgm="http://schemas.openxmlformats.org/drawingml/2006/diagram" xmlns:dsp="http://schemas.microsoft.com/office/drawing/2008/diagram">
       <p:transition xmlns:mc="http://schemas.openxmlformats.org/markup-compatibility/2006" xmlns:hp="http://schemas.haansoft.com/office/presentation/8.0" mc:Ignorable="hp" hp:hslDur="700">
         <p:fade/>
       </p:transition>
@@ -28311,7 +28684,7 @@
         </p:blipFill>
         <p:spPr bwMode="auto">
           <a:xfrm>
-            <a:off x="1263637" y="2161730"/>
+            <a:off x="1263637" y="2132856"/>
             <a:ext cx="7410683" cy="2514055"/>
           </a:xfrm>
           <a:prstGeom prst="rect">
@@ -28525,7 +28898,7 @@
         <p:fade/>
       </p:transition>
     </mc:Choice>
-    <mc:Fallback xmlns:dsp="http://schemas.microsoft.com/office/drawing/2008/diagram" xmlns:dgm="http://schemas.openxmlformats.org/drawingml/2006/diagram" xmlns:c="http://schemas.openxmlformats.org/drawingml/2006/chart" xmlns="">
+    <mc:Fallback xmlns="" xmlns:c="http://schemas.openxmlformats.org/drawingml/2006/chart" xmlns:dgm="http://schemas.openxmlformats.org/drawingml/2006/diagram" xmlns:dsp="http://schemas.microsoft.com/office/drawing/2008/diagram">
       <p:transition xmlns:mc="http://schemas.openxmlformats.org/markup-compatibility/2006" xmlns:hp="http://schemas.haansoft.com/office/presentation/8.0" mc:Ignorable="hp" hp:hslDur="700">
         <p:fade/>
       </p:transition>
